--- a/Apriori算法/2.pptx
+++ b/Apriori算法/2.pptx
@@ -8863,8 +8863,8 @@
         </p:nvGrpSpPr>
         <p:grpSpPr>
           <a:xfrm>
-            <a:off x="9118659" y="1612716"/>
-            <a:ext cx="2991453" cy="1208635"/>
+            <a:off x="9470571" y="1612716"/>
+            <a:ext cx="2335814" cy="1208635"/>
             <a:chOff x="7143" y="1001183"/>
             <a:chExt cx="2135187" cy="1281112"/>
           </a:xfrm>
@@ -9047,8 +9047,8 @@
         </p:nvSpPr>
         <p:spPr>
           <a:xfrm>
-            <a:off x="9118658" y="1882795"/>
-            <a:ext cx="3109505" cy="584775"/>
+            <a:off x="9000607" y="2028496"/>
+            <a:ext cx="3109505" cy="338554"/>
           </a:xfrm>
           <a:prstGeom prst="rect">
             <a:avLst/>
@@ -9061,48 +9061,10 @@
           </a:bodyPr>
           <a:lstStyle/>
           <a:p>
-            <a:r>
-              <a:rPr lang="zh-CN" altLang="en-US" sz="1600" dirty="0"/>
-              <a:t>         项集                      支持度</a:t>
-            </a:r>
-            <a:endParaRPr lang="en-US" altLang="zh-CN" sz="1600" dirty="0"/>
-          </a:p>
-          <a:p>
-            <a:r>
-              <a:rPr lang="en-US" altLang="zh-CN" sz="1600" dirty="0"/>
-              <a:t>{</a:t>
-            </a:r>
-            <a:r>
-              <a:rPr lang="zh-CN" altLang="en-US" sz="1600" dirty="0"/>
-              <a:t>尿布</a:t>
-            </a:r>
-            <a:r>
-              <a:rPr lang="en-US" altLang="zh-CN" sz="1600" dirty="0"/>
-              <a:t>, </a:t>
-            </a:r>
-            <a:r>
-              <a:rPr lang="zh-CN" altLang="en-US" sz="1600" dirty="0"/>
-              <a:t>莴苣</a:t>
-            </a:r>
-            <a:r>
-              <a:rPr lang="en-US" altLang="zh-CN" sz="1600" dirty="0"/>
-              <a:t>, </a:t>
-            </a:r>
-            <a:r>
-              <a:rPr lang="zh-CN" altLang="en-US" sz="1600" dirty="0"/>
-              <a:t>葡萄酒</a:t>
-            </a:r>
-            <a:r>
-              <a:rPr lang="en-US" altLang="zh-CN" sz="1600" dirty="0"/>
-              <a:t>, </a:t>
-            </a:r>
-            <a:r>
-              <a:rPr lang="zh-CN" altLang="en-US" sz="1600" dirty="0"/>
-              <a:t>豆奶</a:t>
-            </a:r>
-            <a:r>
-              <a:rPr lang="en-US" altLang="zh-CN" sz="1600" dirty="0"/>
-              <a:t>}   0.2</a:t>
+            <a:pPr algn="ctr"/>
+            <a:r>
+              <a:rPr lang="en-US" altLang="zh-CN" sz="1600" dirty="0"/>
+              <a:t>{}</a:t>
             </a:r>
           </a:p>
         </p:txBody>
